--- a/src/Pre.pptx
+++ b/src/Pre.pptx
@@ -235,7 +235,7 @@
           <a:p>
             <a:fld id="{0EB27F89-6F89-4D72-A243-A68B4122D611}" type="datetimeFigureOut">
               <a:rPr lang="en-AU" smtClean="0"/>
-              <a:t>12/05/2025</a:t>
+              <a:t>13/05/2025</a:t>
             </a:fld>
             <a:endParaRPr lang="en-AU"/>
           </a:p>
@@ -412,7 +412,7 @@
           <a:p>
             <a:fld id="{B9751D79-A941-472A-B86F-4C1D5FA7235B}" type="datetimeFigureOut">
               <a:rPr lang="en-AU" smtClean="0"/>
-              <a:t>12/05/2025</a:t>
+              <a:t>13/05/2025</a:t>
             </a:fld>
             <a:endParaRPr lang="en-AU"/>
           </a:p>
@@ -5611,8 +5611,8 @@
         </p:blipFill>
         <p:spPr>
           <a:xfrm>
-            <a:off x="5788639" y="1479357"/>
-            <a:ext cx="2859655" cy="3102561"/>
+            <a:off x="5441560" y="1484493"/>
+            <a:ext cx="3001690" cy="3256661"/>
           </a:xfrm>
           <a:prstGeom prst="rect">
             <a:avLst/>
@@ -5718,7 +5718,7 @@
         </p:blipFill>
         <p:spPr>
           <a:xfrm>
-            <a:off x="2753286" y="3668876"/>
+            <a:off x="2753286" y="3766479"/>
             <a:ext cx="3636967" cy="798157"/>
           </a:xfrm>
           <a:prstGeom prst="rect">
@@ -5867,7 +5867,7 @@
         </p:nvSpPr>
         <p:spPr>
           <a:xfrm>
-            <a:off x="844199" y="902614"/>
+            <a:off x="844199" y="1000217"/>
             <a:ext cx="7549787" cy="2862322"/>
           </a:xfrm>
           <a:prstGeom prst="rect">
@@ -5970,7 +5970,7 @@
         </p:blipFill>
         <p:spPr>
           <a:xfrm>
-            <a:off x="1484239" y="1604711"/>
+            <a:off x="1484239" y="1702314"/>
             <a:ext cx="2538094" cy="1793500"/>
           </a:xfrm>
           <a:prstGeom prst="rect">
@@ -6000,7 +6000,7 @@
         </p:blipFill>
         <p:spPr>
           <a:xfrm>
-            <a:off x="4306733" y="1604711"/>
+            <a:off x="4306733" y="1702314"/>
             <a:ext cx="3646289" cy="1793500"/>
           </a:xfrm>
           <a:prstGeom prst="rect">
@@ -6022,7 +6022,7 @@
         </p:nvSpPr>
         <p:spPr>
           <a:xfrm>
-            <a:off x="1854485" y="1818526"/>
+            <a:off x="1854485" y="1916129"/>
             <a:ext cx="1494890" cy="1214252"/>
           </a:xfrm>
           <a:custGeom>
@@ -8146,7 +8146,7 @@
         <p:spPr>
           <a:xfrm>
             <a:off x="929811" y="902614"/>
-            <a:ext cx="7443627" cy="707886"/>
+            <a:ext cx="7443627" cy="646331"/>
           </a:xfrm>
           <a:prstGeom prst="rect">
             <a:avLst/>
@@ -8164,20 +8164,20 @@
               <a:buChar char="•"/>
             </a:pPr>
             <a:r>
-              <a:rPr lang="en-US" altLang="zh-CN" sz="2000" dirty="0"/>
+              <a:rPr lang="en-US" altLang="zh-CN" dirty="0"/>
               <a:t>Relatively high RMSE errors (compared to ARIMA </a:t>
             </a:r>
             <a:r>
-              <a:rPr lang="en-US" altLang="zh-CN" sz="2000" b="1" dirty="0"/>
+              <a:rPr lang="en-US" altLang="zh-CN" b="1" dirty="0"/>
               <a:t>on special case</a:t>
             </a:r>
             <a:r>
-              <a:rPr lang="en-US" altLang="zh-CN" sz="2000" dirty="0"/>
+              <a:rPr lang="en-US" altLang="zh-CN" dirty="0"/>
               <a:t>)</a:t>
             </a:r>
           </a:p>
           <a:p>
-            <a:endParaRPr lang="en-US" altLang="zh-CN" sz="2000" dirty="0"/>
+            <a:endParaRPr lang="en-US" altLang="zh-CN" dirty="0"/>
           </a:p>
         </p:txBody>
       </p:sp>
@@ -8629,14 +8629,14 @@
             <p:ph idx="1"/>
             <p:extLst>
               <p:ext uri="{D42A27DB-BD31-4B8C-83A1-F6EECF244321}">
-                <p14:modId xmlns:p14="http://schemas.microsoft.com/office/powerpoint/2010/main" val="272468422"/>
+                <p14:modId xmlns:p14="http://schemas.microsoft.com/office/powerpoint/2010/main" val="1644508260"/>
               </p:ext>
             </p:extLst>
           </p:nvPr>
         </p:nvGraphicFramePr>
         <p:xfrm>
-          <a:off x="3143892" y="1039062"/>
-          <a:ext cx="4982967" cy="2351768"/>
+          <a:off x="3549720" y="1159721"/>
+          <a:ext cx="4710701" cy="2705860"/>
         </p:xfrm>
         <a:graphic>
           <a:graphicData uri="http://schemas.openxmlformats.org/drawingml/2006/table">
@@ -8645,14 +8645,14 @@
                 <a:tableStyleId>{2D5ABB26-0587-4C30-8999-92F81FD0307C}</a:tableStyleId>
               </a:tblPr>
               <a:tblGrid>
-                <a:gridCol w="925085">
+                <a:gridCol w="874539">
                   <a:extLst>
                     <a:ext uri="{9D8B030D-6E8A-4147-A177-3AD203B41FA5}">
                       <a16:colId xmlns:a16="http://schemas.microsoft.com/office/drawing/2014/main" val="1846873416"/>
                     </a:ext>
                   </a:extLst>
                 </a:gridCol>
-                <a:gridCol w="4057882">
+                <a:gridCol w="3836162">
                   <a:extLst>
                     <a:ext uri="{9D8B030D-6E8A-4147-A177-3AD203B41FA5}">
                       <a16:colId xmlns:a16="http://schemas.microsoft.com/office/drawing/2014/main" val="4186388156"/>
@@ -8660,14 +8660,14 @@
                   </a:extLst>
                 </a:gridCol>
               </a:tblGrid>
-              <a:tr h="587942">
+              <a:tr h="676465">
                 <a:tc>
                   <a:txBody>
                     <a:bodyPr/>
                     <a:lstStyle/>
                     <a:p>
                       <a:r>
-                        <a:rPr lang="en-AU" sz="2000" dirty="0">
+                        <a:rPr lang="en-AU" sz="2300" dirty="0">
                           <a:solidFill>
                             <a:schemeClr val="accent1"/>
                           </a:solidFill>
@@ -8676,7 +8676,7 @@
                       </a:r>
                     </a:p>
                   </a:txBody>
-                  <a:tcPr marL="93336" marR="93336" marT="46668" marB="46668" anchor="ctr">
+                  <a:tcPr marL="107389" marR="107389" marT="53695" marB="53695" anchor="ctr">
                     <a:lnL>
                       <a:noFill/>
                     </a:lnL>
@@ -8711,25 +8711,25 @@
                     <a:lstStyle/>
                     <a:p>
                       <a:r>
-                        <a:rPr lang="en-US" altLang="zh-CN" sz="2000" dirty="0"/>
+                        <a:rPr lang="en-US" altLang="zh-CN" sz="2300" dirty="0"/>
                         <a:t>Scenario &amp; Motivation</a:t>
                       </a:r>
                       <a:r>
-                        <a:rPr lang="en-US" altLang="zh-CN" sz="2000" dirty="0">
+                        <a:rPr lang="en-US" altLang="zh-CN" sz="2300" dirty="0">
                           <a:solidFill>
                             <a:schemeClr val="tx1"/>
                           </a:solidFill>
                         </a:rPr>
                         <a:t> </a:t>
                       </a:r>
-                      <a:endParaRPr lang="en-AU" sz="2000" dirty="0">
+                      <a:endParaRPr lang="en-AU" sz="2300" dirty="0">
                         <a:solidFill>
                           <a:schemeClr val="tx1"/>
                         </a:solidFill>
                       </a:endParaRPr>
                     </a:p>
                   </a:txBody>
-                  <a:tcPr marL="93336" marR="93336" marT="46668" marB="46668" anchor="ctr">
+                  <a:tcPr marL="107389" marR="107389" marT="53695" marB="53695" anchor="ctr">
                     <a:lnL>
                       <a:noFill/>
                     </a:lnL>
@@ -8764,14 +8764,14 @@
                   </a:ext>
                 </a:extLst>
               </a:tr>
-              <a:tr h="587942">
+              <a:tr h="676465">
                 <a:tc>
                   <a:txBody>
                     <a:bodyPr/>
                     <a:lstStyle/>
                     <a:p>
                       <a:r>
-                        <a:rPr lang="en-AU" sz="2000" dirty="0">
+                        <a:rPr lang="en-AU" sz="2300" dirty="0">
                           <a:solidFill>
                             <a:schemeClr val="accent1"/>
                           </a:solidFill>
@@ -8780,7 +8780,7 @@
                       </a:r>
                     </a:p>
                   </a:txBody>
-                  <a:tcPr marL="93336" marR="93336" marT="46668" marB="46668" anchor="ctr">
+                  <a:tcPr marL="107389" marR="107389" marT="53695" marB="53695" anchor="ctr">
                     <a:lnL>
                       <a:noFill/>
                     </a:lnL>
@@ -8838,17 +8838,17 @@
                         <a:defRPr/>
                       </a:pPr>
                       <a:r>
-                        <a:rPr lang="en-US" altLang="zh-CN" sz="2000" dirty="0"/>
+                        <a:rPr lang="en-US" altLang="zh-CN" sz="2300" dirty="0"/>
                         <a:t>Problem Formulation</a:t>
                       </a:r>
-                      <a:endParaRPr lang="en-AU" sz="2000" dirty="0">
+                      <a:endParaRPr lang="en-AU" sz="2300" dirty="0">
                         <a:solidFill>
                           <a:schemeClr val="tx1"/>
                         </a:solidFill>
                       </a:endParaRPr>
                     </a:p>
                   </a:txBody>
-                  <a:tcPr marL="93336" marR="93336" marT="46668" marB="46668" anchor="ctr">
+                  <a:tcPr marL="107389" marR="107389" marT="53695" marB="53695" anchor="ctr">
                     <a:lnL>
                       <a:noFill/>
                     </a:lnL>
@@ -8889,14 +8889,14 @@
                   </a:ext>
                 </a:extLst>
               </a:tr>
-              <a:tr h="587942">
+              <a:tr h="676465">
                 <a:tc>
                   <a:txBody>
                     <a:bodyPr/>
                     <a:lstStyle/>
                     <a:p>
                       <a:r>
-                        <a:rPr lang="en-AU" sz="2000" dirty="0">
+                        <a:rPr lang="en-AU" sz="2300" dirty="0">
                           <a:solidFill>
                             <a:schemeClr val="accent1"/>
                           </a:solidFill>
@@ -8905,7 +8905,7 @@
                       </a:r>
                     </a:p>
                   </a:txBody>
-                  <a:tcPr marL="93336" marR="93336" marT="46668" marB="46668" anchor="ctr">
+                  <a:tcPr marL="107389" marR="107389" marT="53695" marB="53695" anchor="ctr">
                     <a:lnL>
                       <a:noFill/>
                     </a:lnL>
@@ -8963,17 +8963,17 @@
                         <a:defRPr/>
                       </a:pPr>
                       <a:r>
-                        <a:rPr lang="en-US" altLang="zh-CN" sz="2000" dirty="0"/>
+                        <a:rPr lang="en-US" altLang="zh-CN" sz="2300" dirty="0"/>
                         <a:t>Existing Method</a:t>
                       </a:r>
-                      <a:endParaRPr lang="en-AU" sz="2000" dirty="0">
+                      <a:endParaRPr lang="en-AU" sz="2300" dirty="0">
                         <a:solidFill>
                           <a:schemeClr val="tx1"/>
                         </a:solidFill>
                       </a:endParaRPr>
                     </a:p>
                   </a:txBody>
-                  <a:tcPr marL="93336" marR="93336" marT="46668" marB="46668" anchor="ctr">
+                  <a:tcPr marL="107389" marR="107389" marT="53695" marB="53695" anchor="ctr">
                     <a:lnL>
                       <a:noFill/>
                     </a:lnL>
@@ -9014,14 +9014,14 @@
                   </a:ext>
                 </a:extLst>
               </a:tr>
-              <a:tr h="587942">
+              <a:tr h="676465">
                 <a:tc>
                   <a:txBody>
                     <a:bodyPr/>
                     <a:lstStyle/>
                     <a:p>
                       <a:r>
-                        <a:rPr lang="en-AU" sz="2000" dirty="0">
+                        <a:rPr lang="en-AU" sz="2300" dirty="0">
                           <a:solidFill>
                             <a:schemeClr val="accent1"/>
                           </a:solidFill>
@@ -9030,7 +9030,7 @@
                       </a:r>
                     </a:p>
                   </a:txBody>
-                  <a:tcPr marL="93336" marR="93336" marT="46668" marB="46668" anchor="ctr">
+                  <a:tcPr marL="107389" marR="107389" marT="53695" marB="53695" anchor="ctr">
                     <a:lnL>
                       <a:noFill/>
                     </a:lnL>
@@ -9088,7 +9088,7 @@
                         <a:defRPr/>
                       </a:pPr>
                       <a:r>
-                        <a:rPr lang="en-AU" sz="2000" dirty="0">
+                        <a:rPr lang="en-AU" sz="2300" dirty="0">
                           <a:solidFill>
                             <a:schemeClr val="tx1"/>
                           </a:solidFill>
@@ -9097,7 +9097,7 @@
                       </a:r>
                     </a:p>
                   </a:txBody>
-                  <a:tcPr marL="93336" marR="93336" marT="46668" marB="46668" anchor="ctr">
+                  <a:tcPr marL="107389" marR="107389" marT="53695" marB="53695" anchor="ctr">
                     <a:lnL>
                       <a:noFill/>
                     </a:lnL>
@@ -9257,16 +9257,18 @@
         </p:nvSpPr>
         <p:spPr>
           <a:xfrm>
-            <a:off x="324000" y="324000"/>
+            <a:off x="437016" y="329137"/>
             <a:ext cx="2880000" cy="3144414"/>
           </a:xfrm>
         </p:spPr>
         <p:txBody>
-          <a:bodyPr/>
+          <a:bodyPr>
+            <a:normAutofit/>
+          </a:bodyPr>
           <a:lstStyle/>
           <a:p>
             <a:r>
-              <a:rPr lang="en-AU" dirty="0"/>
+              <a:rPr lang="en-AU" sz="4800" b="1" dirty="0"/>
               <a:t>Agenda</a:t>
             </a:r>
           </a:p>
@@ -9606,6 +9608,330 @@
           </a:p>
         </p:txBody>
       </p:sp>
+      <p:sp>
+        <p:nvSpPr>
+          <p:cNvPr id="5" name="文本框 4">
+            <a:extLst>
+              <a:ext uri="{FF2B5EF4-FFF2-40B4-BE49-F238E27FC236}">
+                <a16:creationId xmlns:a16="http://schemas.microsoft.com/office/drawing/2014/main" id="{1E505056-B566-70B1-8729-E996A8710EC3}"/>
+              </a:ext>
+            </a:extLst>
+          </p:cNvPr>
+          <p:cNvSpPr txBox="1"/>
+          <p:nvPr/>
+        </p:nvSpPr>
+        <p:spPr>
+          <a:xfrm>
+            <a:off x="844200" y="948867"/>
+            <a:ext cx="7947339" cy="4306243"/>
+          </a:xfrm>
+          <a:prstGeom prst="rect">
+            <a:avLst/>
+          </a:prstGeom>
+          <a:noFill/>
+        </p:spPr>
+        <p:txBody>
+          <a:bodyPr wrap="square">
+            <a:spAutoFit/>
+          </a:bodyPr>
+          <a:lstStyle/>
+          <a:p>
+            <a:pPr marL="285750" indent="-285750">
+              <a:lnSpc>
+                <a:spcPct val="150000"/>
+              </a:lnSpc>
+              <a:buFont typeface="Arial" panose="020B0604020202020204" pitchFamily="34" charset="0"/>
+              <a:buChar char="•"/>
+            </a:pPr>
+            <a:r>
+              <a:rPr lang="en-US" altLang="zh-CN" sz="1400" b="0" i="0" dirty="0">
+                <a:solidFill>
+                  <a:srgbClr val="222222"/>
+                </a:solidFill>
+                <a:effectLst/>
+                <a:latin typeface="Arial" panose="020B0604020202020204" pitchFamily="34" charset="0"/>
+              </a:rPr>
+              <a:t>Mishra, Swapnil, Marian-Andrei </a:t>
+            </a:r>
+            <a:r>
+              <a:rPr lang="en-US" altLang="zh-CN" sz="1400" b="0" i="0" dirty="0" err="1">
+                <a:solidFill>
+                  <a:srgbClr val="222222"/>
+                </a:solidFill>
+                <a:effectLst/>
+                <a:latin typeface="Arial" panose="020B0604020202020204" pitchFamily="34" charset="0"/>
+              </a:rPr>
+              <a:t>Rizoiu</a:t>
+            </a:r>
+            <a:r>
+              <a:rPr lang="en-US" altLang="zh-CN" sz="1400" b="0" i="0" dirty="0">
+                <a:solidFill>
+                  <a:srgbClr val="222222"/>
+                </a:solidFill>
+                <a:effectLst/>
+                <a:latin typeface="Arial" panose="020B0604020202020204" pitchFamily="34" charset="0"/>
+              </a:rPr>
+              <a:t>, and </a:t>
+            </a:r>
+            <a:r>
+              <a:rPr lang="en-US" altLang="zh-CN" sz="1400" b="0" i="0" dirty="0" err="1">
+                <a:solidFill>
+                  <a:srgbClr val="222222"/>
+                </a:solidFill>
+                <a:effectLst/>
+                <a:latin typeface="Arial" panose="020B0604020202020204" pitchFamily="34" charset="0"/>
+              </a:rPr>
+              <a:t>Lexing</a:t>
+            </a:r>
+            <a:r>
+              <a:rPr lang="en-US" altLang="zh-CN" sz="1400" b="0" i="0" dirty="0">
+                <a:solidFill>
+                  <a:srgbClr val="222222"/>
+                </a:solidFill>
+                <a:effectLst/>
+                <a:latin typeface="Arial" panose="020B0604020202020204" pitchFamily="34" charset="0"/>
+              </a:rPr>
+              <a:t> Xie. "Feature driven and point process approaches for popularity prediction." </a:t>
+            </a:r>
+            <a:r>
+              <a:rPr lang="en-US" altLang="zh-CN" sz="1400" b="0" i="1" dirty="0">
+                <a:solidFill>
+                  <a:srgbClr val="222222"/>
+                </a:solidFill>
+                <a:effectLst/>
+                <a:latin typeface="Arial" panose="020B0604020202020204" pitchFamily="34" charset="0"/>
+              </a:rPr>
+              <a:t>Proceedings of the 25th ACM international on conference on information and knowledge management</a:t>
+            </a:r>
+            <a:r>
+              <a:rPr lang="en-US" altLang="zh-CN" sz="1400" b="0" i="0" dirty="0">
+                <a:solidFill>
+                  <a:srgbClr val="222222"/>
+                </a:solidFill>
+                <a:effectLst/>
+                <a:latin typeface="Arial" panose="020B0604020202020204" pitchFamily="34" charset="0"/>
+              </a:rPr>
+              <a:t>. 2016.</a:t>
+            </a:r>
+            <a:endParaRPr lang="en-US" altLang="zh-CN" sz="1400" dirty="0">
+              <a:solidFill>
+                <a:srgbClr val="222222"/>
+              </a:solidFill>
+              <a:latin typeface="Arial" panose="020B0604020202020204" pitchFamily="34" charset="0"/>
+            </a:endParaRPr>
+          </a:p>
+          <a:p>
+            <a:pPr marL="285750" indent="-285750">
+              <a:lnSpc>
+                <a:spcPct val="150000"/>
+              </a:lnSpc>
+              <a:buFont typeface="Arial" panose="020B0604020202020204" pitchFamily="34" charset="0"/>
+              <a:buChar char="•"/>
+            </a:pPr>
+            <a:r>
+              <a:rPr lang="en-US" altLang="zh-CN" sz="1400" b="0" i="0" dirty="0" err="1">
+                <a:solidFill>
+                  <a:srgbClr val="222222"/>
+                </a:solidFill>
+                <a:effectLst/>
+                <a:latin typeface="Arial" panose="020B0604020202020204" pitchFamily="34" charset="0"/>
+              </a:rPr>
+              <a:t>Rizoiu</a:t>
+            </a:r>
+            <a:r>
+              <a:rPr lang="en-US" altLang="zh-CN" sz="1400" b="0" i="0" dirty="0">
+                <a:solidFill>
+                  <a:srgbClr val="222222"/>
+                </a:solidFill>
+                <a:effectLst/>
+                <a:latin typeface="Arial" panose="020B0604020202020204" pitchFamily="34" charset="0"/>
+              </a:rPr>
+              <a:t>, Marian-Andrei, et al. "Expecting to be hip: Hawkes intensity processes for social media popularity." </a:t>
+            </a:r>
+            <a:r>
+              <a:rPr lang="en-US" altLang="zh-CN" sz="1400" b="0" i="1" dirty="0">
+                <a:solidFill>
+                  <a:srgbClr val="222222"/>
+                </a:solidFill>
+                <a:effectLst/>
+                <a:latin typeface="Arial" panose="020B0604020202020204" pitchFamily="34" charset="0"/>
+              </a:rPr>
+              <a:t>Proceedings of the 26th international conference on world wide web</a:t>
+            </a:r>
+            <a:r>
+              <a:rPr lang="en-US" altLang="zh-CN" sz="1400" b="0" i="0" dirty="0">
+                <a:solidFill>
+                  <a:srgbClr val="222222"/>
+                </a:solidFill>
+                <a:effectLst/>
+                <a:latin typeface="Arial" panose="020B0604020202020204" pitchFamily="34" charset="0"/>
+              </a:rPr>
+              <a:t>. 2017.</a:t>
+            </a:r>
+          </a:p>
+          <a:p>
+            <a:pPr marL="285750" indent="-285750">
+              <a:lnSpc>
+                <a:spcPct val="150000"/>
+              </a:lnSpc>
+              <a:buFont typeface="Arial" panose="020B0604020202020204" pitchFamily="34" charset="0"/>
+              <a:buChar char="•"/>
+            </a:pPr>
+            <a:r>
+              <a:rPr lang="en-US" altLang="zh-CN" sz="1400" b="0" i="0" dirty="0">
+                <a:solidFill>
+                  <a:srgbClr val="222222"/>
+                </a:solidFill>
+                <a:effectLst/>
+                <a:latin typeface="Arial" panose="020B0604020202020204" pitchFamily="34" charset="0"/>
+              </a:rPr>
+              <a:t>Box G E P, Jenkins G M, Reinsel G C, et al. Time series analysis: forecasting and control[M]. John Wiley &amp; Sons, 2015.</a:t>
+            </a:r>
+          </a:p>
+          <a:p>
+            <a:pPr marL="285750" indent="-285750">
+              <a:lnSpc>
+                <a:spcPct val="150000"/>
+              </a:lnSpc>
+              <a:buFont typeface="Arial" panose="020B0604020202020204" pitchFamily="34" charset="0"/>
+              <a:buChar char="•"/>
+            </a:pPr>
+            <a:endParaRPr lang="en-US" altLang="zh-CN" sz="1400" dirty="0">
+              <a:solidFill>
+                <a:srgbClr val="222222"/>
+              </a:solidFill>
+              <a:latin typeface="Arial" panose="020B0604020202020204" pitchFamily="34" charset="0"/>
+            </a:endParaRPr>
+          </a:p>
+          <a:p>
+            <a:pPr marL="285750" indent="-285750">
+              <a:lnSpc>
+                <a:spcPct val="150000"/>
+              </a:lnSpc>
+              <a:buFont typeface="Arial" panose="020B0604020202020204" pitchFamily="34" charset="0"/>
+              <a:buChar char="•"/>
+            </a:pPr>
+            <a:r>
+              <a:rPr lang="en-US" altLang="zh-CN" sz="1400" b="0" i="0" dirty="0" err="1">
+                <a:solidFill>
+                  <a:srgbClr val="222222"/>
+                </a:solidFill>
+                <a:effectLst/>
+                <a:latin typeface="Arial" panose="020B0604020202020204" pitchFamily="34" charset="0"/>
+              </a:rPr>
+              <a:t>Github</a:t>
+            </a:r>
+            <a:r>
+              <a:rPr lang="en-US" altLang="zh-CN" sz="1400" b="0" i="0" dirty="0">
+                <a:solidFill>
+                  <a:srgbClr val="222222"/>
+                </a:solidFill>
+                <a:effectLst/>
+                <a:latin typeface="Arial" panose="020B0604020202020204" pitchFamily="34" charset="0"/>
+              </a:rPr>
+              <a:t> Link for HIP (official): </a:t>
+            </a:r>
+            <a:r>
+              <a:rPr lang="en-US" altLang="zh-CN" sz="1400" b="0" i="0" dirty="0">
+                <a:solidFill>
+                  <a:srgbClr val="222222"/>
+                </a:solidFill>
+                <a:effectLst/>
+                <a:latin typeface="Arial" panose="020B0604020202020204" pitchFamily="34" charset="0"/>
+                <a:hlinkClick r:id="rId2"/>
+              </a:rPr>
+              <a:t>https://github.com/andrei-rizoiu/hip-popularity</a:t>
+            </a:r>
+            <a:endParaRPr lang="en-US" altLang="zh-CN" sz="1400" dirty="0">
+              <a:solidFill>
+                <a:srgbClr val="222222"/>
+              </a:solidFill>
+              <a:latin typeface="Arial" panose="020B0604020202020204" pitchFamily="34" charset="0"/>
+            </a:endParaRPr>
+          </a:p>
+          <a:p>
+            <a:pPr marL="285750" indent="-285750">
+              <a:lnSpc>
+                <a:spcPct val="150000"/>
+              </a:lnSpc>
+              <a:buFont typeface="Arial" panose="020B0604020202020204" pitchFamily="34" charset="0"/>
+              <a:buChar char="•"/>
+            </a:pPr>
+            <a:r>
+              <a:rPr lang="en-US" altLang="zh-CN" sz="1400" b="1" dirty="0" err="1">
+                <a:solidFill>
+                  <a:srgbClr val="222222"/>
+                </a:solidFill>
+                <a:latin typeface="Arial" panose="020B0604020202020204" pitchFamily="34" charset="0"/>
+              </a:rPr>
+              <a:t>Github</a:t>
+            </a:r>
+            <a:r>
+              <a:rPr lang="en-US" altLang="zh-CN" sz="1400" b="1" dirty="0">
+                <a:solidFill>
+                  <a:srgbClr val="222222"/>
+                </a:solidFill>
+                <a:latin typeface="Arial" panose="020B0604020202020204" pitchFamily="34" charset="0"/>
+              </a:rPr>
+              <a:t> Link for my study: </a:t>
+            </a:r>
+            <a:r>
+              <a:rPr lang="en-US" altLang="zh-CN" sz="1400" b="1" dirty="0">
+                <a:solidFill>
+                  <a:srgbClr val="222222"/>
+                </a:solidFill>
+                <a:latin typeface="Arial" panose="020B0604020202020204" pitchFamily="34" charset="0"/>
+                <a:hlinkClick r:id="rId3"/>
+              </a:rPr>
+              <a:t>https://github.com/hahahaHan233/Study-HIP</a:t>
+            </a:r>
+            <a:endParaRPr lang="en-US" altLang="zh-CN" sz="1400" b="1" dirty="0">
+              <a:solidFill>
+                <a:srgbClr val="222222"/>
+              </a:solidFill>
+              <a:latin typeface="Arial" panose="020B0604020202020204" pitchFamily="34" charset="0"/>
+            </a:endParaRPr>
+          </a:p>
+          <a:p>
+            <a:pPr>
+              <a:lnSpc>
+                <a:spcPct val="150000"/>
+              </a:lnSpc>
+            </a:pPr>
+            <a:endParaRPr lang="en-US" altLang="zh-CN" sz="1400" dirty="0">
+              <a:solidFill>
+                <a:srgbClr val="222222"/>
+              </a:solidFill>
+              <a:latin typeface="Arial" panose="020B0604020202020204" pitchFamily="34" charset="0"/>
+            </a:endParaRPr>
+          </a:p>
+          <a:p>
+            <a:pPr marL="285750" indent="-285750">
+              <a:lnSpc>
+                <a:spcPct val="150000"/>
+              </a:lnSpc>
+              <a:buFont typeface="Arial" panose="020B0604020202020204" pitchFamily="34" charset="0"/>
+              <a:buChar char="•"/>
+            </a:pPr>
+            <a:endParaRPr lang="en-US" altLang="zh-CN" sz="1400" dirty="0">
+              <a:solidFill>
+                <a:srgbClr val="222222"/>
+              </a:solidFill>
+              <a:latin typeface="Arial" panose="020B0604020202020204" pitchFamily="34" charset="0"/>
+            </a:endParaRPr>
+          </a:p>
+          <a:p>
+            <a:pPr marL="285750" indent="-285750">
+              <a:lnSpc>
+                <a:spcPct val="150000"/>
+              </a:lnSpc>
+              <a:buFont typeface="Arial" panose="020B0604020202020204" pitchFamily="34" charset="0"/>
+              <a:buChar char="•"/>
+            </a:pPr>
+            <a:endParaRPr lang="zh-CN" altLang="en-US" sz="1400" dirty="0"/>
+          </a:p>
+        </p:txBody>
+      </p:sp>
     </p:spTree>
     <p:extLst>
       <p:ext uri="{BB962C8B-B14F-4D97-AF65-F5344CB8AC3E}">
@@ -9866,10 +10192,10 @@
         </p:nvGrpSpPr>
         <p:grpSpPr>
           <a:xfrm>
-            <a:off x="504000" y="871369"/>
-            <a:ext cx="8316000" cy="4385816"/>
-            <a:chOff x="504000" y="891917"/>
-            <a:chExt cx="8316000" cy="4385816"/>
+            <a:off x="627290" y="861095"/>
+            <a:ext cx="8316000" cy="4278094"/>
+            <a:chOff x="627290" y="881643"/>
+            <a:chExt cx="8316000" cy="4278094"/>
           </a:xfrm>
         </p:grpSpPr>
         <p:sp>
@@ -9886,8 +10212,8 @@
           </p:nvSpPr>
           <p:spPr>
             <a:xfrm>
-              <a:off x="504000" y="891917"/>
-              <a:ext cx="8316000" cy="4385816"/>
+              <a:off x="627290" y="881643"/>
+              <a:ext cx="8316000" cy="4278094"/>
             </a:xfrm>
             <a:prstGeom prst="rect">
               <a:avLst/>
@@ -9901,7 +10227,7 @@
             <a:lstStyle/>
             <a:p>
               <a:r>
-                <a:rPr lang="en-US" altLang="zh-CN" sz="2000" dirty="0"/>
+                <a:rPr lang="en-US" altLang="zh-CN" dirty="0"/>
                 <a:t>A vast amount of online content emerges daily on streaming platforms.</a:t>
               </a:r>
             </a:p>
@@ -10075,7 +10401,7 @@
             </a:p>
             <a:p>
               <a:r>
-                <a:rPr lang="en-US" altLang="zh-CN" sz="1100" b="1" i="0" dirty="0">
+                <a:rPr lang="en-US" altLang="zh-CN" sz="1000" b="1" i="0" dirty="0">
                   <a:solidFill>
                     <a:srgbClr val="000000"/>
                   </a:solidFill>
@@ -10085,11 +10411,11 @@
                 <a:t>Statistics </a:t>
               </a:r>
               <a:r>
-                <a:rPr lang="en-US" altLang="zh-CN" sz="1100" b="1" dirty="0"/>
+                <a:rPr lang="en-US" altLang="zh-CN" sz="1000" b="1" dirty="0"/>
                 <a:t>Source</a:t>
               </a:r>
               <a:r>
-                <a:rPr lang="en-US" altLang="zh-CN" sz="1100" dirty="0"/>
+                <a:rPr lang="en-US" altLang="zh-CN" sz="1000" dirty="0"/>
                 <a:t>: </a:t>
               </a:r>
             </a:p>
@@ -10099,12 +10425,12 @@
                 <a:buAutoNum type="arabicPeriod"/>
               </a:pPr>
               <a:r>
-                <a:rPr lang="en-US" altLang="zh-CN" sz="1100" dirty="0">
+                <a:rPr lang="en-US" altLang="zh-CN" sz="1000" dirty="0">
                   <a:hlinkClick r:id="rId3"/>
                 </a:rPr>
                 <a:t>https://backlinko.com/youtube-users</a:t>
               </a:r>
-              <a:endParaRPr lang="en-US" altLang="zh-CN" sz="1100" dirty="0"/>
+              <a:endParaRPr lang="en-US" altLang="zh-CN" sz="1000" dirty="0"/>
             </a:p>
             <a:p>
               <a:pPr marL="228600" indent="-228600">
@@ -10112,12 +10438,12 @@
                 <a:buAutoNum type="arabicPeriod"/>
               </a:pPr>
               <a:r>
-                <a:rPr lang="en-US" altLang="zh-CN" sz="1100" dirty="0">
+                <a:rPr lang="en-US" altLang="zh-CN" sz="1000" dirty="0">
                   <a:hlinkClick r:id="rId4"/>
                 </a:rPr>
                 <a:t>https://datareportal.com/reports/digital-2023-october-global-statshot</a:t>
               </a:r>
-              <a:endParaRPr lang="en-US" altLang="zh-CN" sz="1100" dirty="0"/>
+              <a:endParaRPr lang="en-US" altLang="zh-CN" sz="1000" dirty="0"/>
             </a:p>
             <a:p>
               <a:pPr marL="228600" indent="-228600">
@@ -10125,12 +10451,12 @@
                 <a:buAutoNum type="arabicPeriod"/>
               </a:pPr>
               <a:r>
-                <a:rPr lang="en-US" altLang="zh-CN" sz="1100" dirty="0">
+                <a:rPr lang="en-US" altLang="zh-CN" sz="1000" dirty="0">
                   <a:hlinkClick r:id="rId5"/>
                 </a:rPr>
                 <a:t>https://blog.youtube/news-and-events/youtube-music-premium-80-million-lyor-cohen/</a:t>
               </a:r>
-              <a:endParaRPr lang="en-US" altLang="zh-CN" sz="1100" dirty="0"/>
+              <a:endParaRPr lang="en-US" altLang="zh-CN" sz="1000" dirty="0"/>
             </a:p>
             <a:p>
               <a:pPr marL="228600" indent="-228600">
@@ -10138,12 +10464,12 @@
                 <a:buAutoNum type="arabicPeriod"/>
               </a:pPr>
               <a:r>
-                <a:rPr lang="en-US" altLang="zh-CN" sz="1100" dirty="0">
+                <a:rPr lang="en-US" altLang="zh-CN" sz="1000" dirty="0">
                   <a:hlinkClick r:id="rId6"/>
                 </a:rPr>
                 <a:t>https://seo.ai/blog/how-many-videos-are-on-youtube</a:t>
               </a:r>
-              <a:endParaRPr lang="en-US" altLang="zh-CN" sz="1100" dirty="0"/>
+              <a:endParaRPr lang="en-US" altLang="zh-CN" sz="1000" dirty="0"/>
             </a:p>
             <a:p>
               <a:endParaRPr lang="en-US" altLang="zh-CN" sz="1100" dirty="0"/>
@@ -11606,7 +11932,19 @@
             <a:pPr lvl="1"/>
             <a:r>
               <a:rPr lang="en-US" altLang="zh-CN" sz="2000" dirty="0"/>
-              <a:t>External promotion (e.g., sharing) contribute positively to the item’s view count. These exogenous actions serve as external stimuli that trigger initial exposure and dissemination.</a:t>
+              <a:t>External promotion (e.g., sharing) contribute </a:t>
+            </a:r>
+            <a:r>
+              <a:rPr lang="en-US" altLang="zh-CN" sz="2000" b="1" dirty="0">
+                <a:solidFill>
+                  <a:srgbClr val="FF0000"/>
+                </a:solidFill>
+              </a:rPr>
+              <a:t>positively</a:t>
+            </a:r>
+            <a:r>
+              <a:rPr lang="en-US" altLang="zh-CN" sz="2000" dirty="0"/>
+              <a:t> to the item’s view count. These exogenous actions serve as external stimuli that trigger initial exposure and dissemination.</a:t>
             </a:r>
           </a:p>
           <a:p>
@@ -12312,7 +12650,7 @@
             </a:r>
             <a:r>
               <a:rPr lang="en-US" altLang="zh-CN" sz="1400" dirty="0"/>
-              <a:t>of past views’ impacts on triggering kernel</a:t>
+              <a:t>of past events’ impacts on triggering kernel</a:t>
             </a:r>
             <a:endParaRPr lang="zh-CN" altLang="en-US" sz="1400" dirty="0"/>
           </a:p>
@@ -12517,7 +12855,15 @@
           <a:p>
             <a:r>
               <a:rPr lang="en-US" altLang="zh-CN" sz="1400" dirty="0"/>
-              <a:t>a nonlinear transformation on event magnitude under user influence</a:t>
+              <a:t>a nonlinear transformation on </a:t>
+            </a:r>
+            <a:r>
+              <a:rPr lang="en-US" altLang="zh-CN" sz="1400" b="1" dirty="0"/>
+              <a:t>event magnitude </a:t>
+            </a:r>
+            <a:r>
+              <a:rPr lang="en-US" altLang="zh-CN" sz="1400" dirty="0"/>
+              <a:t>under user influence</a:t>
             </a:r>
             <a:endParaRPr lang="zh-CN" altLang="en-US" sz="1400" dirty="0"/>
           </a:p>
@@ -12645,8 +12991,16 @@
           <a:lstStyle/>
           <a:p>
             <a:r>
+              <a:rPr lang="en-US" altLang="zh-CN" sz="1400" b="1" dirty="0">
+                <a:solidFill>
+                  <a:srgbClr val="FF0000"/>
+                </a:solidFill>
+              </a:rPr>
+              <a:t>power-law</a:t>
+            </a:r>
+            <a:r>
               <a:rPr lang="en-US" altLang="zh-CN" sz="1400" dirty="0"/>
-              <a:t>power-law exponent for time decay impacts</a:t>
+              <a:t> exponent for time decay impacts</a:t>
             </a:r>
           </a:p>
           <a:p>
@@ -13976,7 +14330,7 @@
         </p:blipFill>
         <p:spPr>
           <a:xfrm>
-            <a:off x="4705477" y="3901626"/>
+            <a:off x="4464034" y="3906168"/>
             <a:ext cx="3831302" cy="842343"/>
           </a:xfrm>
           <a:prstGeom prst="rect">
@@ -14789,6 +15143,15 @@
 </file>
 
 <file path=customXml/item1.xml><?xml version="1.0" encoding="utf-8"?>
+<?mso-contentType ?>
+<FormTemplates xmlns="http://schemas.microsoft.com/sharepoint/v3/contenttype/forms">
+  <Display>DocumentLibraryForm</Display>
+  <Edit>DocumentLibraryForm</Edit>
+  <New>DocumentLibraryForm</New>
+</FormTemplates>
+</file>
+
+<file path=customXml/item2.xml><?xml version="1.0" encoding="utf-8"?>
 <p:properties xmlns:p="http://schemas.microsoft.com/office/2006/metadata/properties" xmlns:xsi="http://www.w3.org/2001/XMLSchema-instance" xmlns:pc="http://schemas.microsoft.com/office/infopath/2007/PartnerControls">
   <documentManagement>
     <Document_x0020_Notes xmlns="2906fbf8-e47d-4c21-be87-cb09cf1c70cb">DO NOT EDIT. DOWNLOAD FIRST.</Document_x0020_Notes>
@@ -14806,15 +15169,6 @@
     </SharedWithUsers>
   </documentManagement>
 </p:properties>
-</file>
-
-<file path=customXml/item2.xml><?xml version="1.0" encoding="utf-8"?>
-<?mso-contentType ?>
-<FormTemplates xmlns="http://schemas.microsoft.com/sharepoint/v3/contenttype/forms">
-  <Display>DocumentLibraryForm</Display>
-  <Edit>DocumentLibraryForm</Edit>
-  <New>DocumentLibraryForm</New>
-</FormTemplates>
 </file>
 
 <file path=customXml/item3.xml><?xml version="1.0" encoding="utf-8"?>
@@ -15088,6 +15442,14 @@
 </file>
 
 <file path=customXml/itemProps1.xml><?xml version="1.0" encoding="utf-8"?>
+<ds:datastoreItem xmlns:ds="http://schemas.openxmlformats.org/officeDocument/2006/customXml" ds:itemID="{D242CD11-9905-45C0-AA8E-EE5B79DEFBE2}">
+  <ds:schemaRefs>
+    <ds:schemaRef ds:uri="http://schemas.microsoft.com/sharepoint/v3/contenttype/forms"/>
+  </ds:schemaRefs>
+</ds:datastoreItem>
+</file>
+
+<file path=customXml/itemProps2.xml><?xml version="1.0" encoding="utf-8"?>
 <ds:datastoreItem xmlns:ds="http://schemas.openxmlformats.org/officeDocument/2006/customXml" ds:itemID="{F655D042-D8B3-4BE3-86DE-6019F96E2850}">
   <ds:schemaRefs>
     <ds:schemaRef ds:uri="http://schemas.microsoft.com/office/2006/metadata/properties"/>
@@ -15101,14 +15463,6 @@
     <ds:schemaRef ds:uri="http://schemas.microsoft.com/office/infopath/2007/PartnerControls"/>
     <ds:schemaRef ds:uri="c30e2885-58e1-4e94-9dc7-f83158e7ef28"/>
     <ds:schemaRef ds:uri="2906fbf8-e47d-4c21-be87-cb09cf1c70cb"/>
-  </ds:schemaRefs>
-</ds:datastoreItem>
-</file>
-
-<file path=customXml/itemProps2.xml><?xml version="1.0" encoding="utf-8"?>
-<ds:datastoreItem xmlns:ds="http://schemas.openxmlformats.org/officeDocument/2006/customXml" ds:itemID="{D242CD11-9905-45C0-AA8E-EE5B79DEFBE2}">
-  <ds:schemaRefs>
-    <ds:schemaRef ds:uri="http://schemas.microsoft.com/sharepoint/v3/contenttype/forms"/>
   </ds:schemaRefs>
 </ds:datastoreItem>
 </file>
